--- a/06-testing_while_refactoring_for_multiple_platforms.pptx
+++ b/06-testing_while_refactoring_for_multiple_platforms.pptx
@@ -8718,10 +8718,16 @@
         </p:nvSpPr>
         <p:spPr/>
         <p:txBody>
-          <a:bodyPr/>
+          <a:bodyPr>
+            <a:normAutofit fontScale="90000"/>
+          </a:bodyPr>
           <a:lstStyle/>
           <a:p>
-            <a:endParaRPr lang="en-US"/>
+            <a:r>
+              <a:rPr lang="en-US" dirty="0" smtClean="0"/>
+              <a:t>Update the Context to be Platform Specific</a:t>
+            </a:r>
+            <a:endParaRPr lang="en-US" dirty="0"/>
           </a:p>
         </p:txBody>
       </p:sp>
@@ -9112,10 +9118,16 @@
         </p:nvSpPr>
         <p:spPr/>
         <p:txBody>
-          <a:bodyPr/>
+          <a:bodyPr>
+            <a:normAutofit fontScale="90000"/>
+          </a:bodyPr>
           <a:lstStyle/>
           <a:p>
-            <a:endParaRPr lang="en-US"/>
+            <a:r>
+              <a:rPr lang="en-US" dirty="0" smtClean="0"/>
+              <a:t>Add a Second Context for Another Platform</a:t>
+            </a:r>
+            <a:endParaRPr lang="en-US" dirty="0"/>
           </a:p>
         </p:txBody>
       </p:sp>
@@ -9547,7 +9559,6 @@
               <a:rPr lang="en-US" dirty="0"/>
               <a:t>Execute the tests and verify the tests pass</a:t>
             </a:r>
-            <a:endParaRPr lang="en-US" dirty="0"/>
           </a:p>
         </p:txBody>
       </p:sp>
@@ -9760,7 +9771,11 @@
           <a:bodyPr/>
           <a:lstStyle/>
           <a:p>
-            <a:endParaRPr lang="en-US"/>
+            <a:r>
+              <a:rPr lang="en-US" dirty="0" smtClean="0"/>
+              <a:t>Execute the Tests to See it Fail</a:t>
+            </a:r>
+            <a:endParaRPr lang="en-US" dirty="0"/>
           </a:p>
         </p:txBody>
       </p:sp>
@@ -9917,7 +9932,6 @@
               <a:rPr lang="en-US" dirty="0"/>
               <a:t>Execute the tests and verify the tests pass</a:t>
             </a:r>
-            <a:endParaRPr lang="en-US" dirty="0"/>
           </a:p>
         </p:txBody>
       </p:sp>
@@ -9966,10 +9980,20 @@
         </p:nvSpPr>
         <p:spPr/>
         <p:txBody>
-          <a:bodyPr/>
+          <a:bodyPr>
+            <a:normAutofit fontScale="90000"/>
+          </a:bodyPr>
           <a:lstStyle/>
           <a:p>
-            <a:endParaRPr lang="en-US"/>
+            <a:r>
+              <a:rPr lang="en-US" dirty="0" smtClean="0"/>
+              <a:t>Updat</a:t>
+            </a:r>
+            <a:r>
+              <a:rPr lang="en-US" dirty="0" smtClean="0"/>
+              <a:t>e the Attributes to Support Platforms</a:t>
+            </a:r>
+            <a:endParaRPr lang="en-US" dirty="0"/>
           </a:p>
         </p:txBody>
       </p:sp>
@@ -10335,7 +10359,6 @@
               <a:rPr lang="en-US" dirty="0"/>
               <a:t>Execute the tests and verify the tests pass</a:t>
             </a:r>
-            <a:endParaRPr lang="en-US" dirty="0"/>
           </a:p>
         </p:txBody>
       </p:sp>
@@ -10483,7 +10506,11 @@
           <a:bodyPr/>
           <a:lstStyle/>
           <a:p>
-            <a:endParaRPr lang="en-US"/>
+            <a:r>
+              <a:rPr lang="en-US" dirty="0" smtClean="0"/>
+              <a:t>Execute the Tests to See it Pass</a:t>
+            </a:r>
+            <a:endParaRPr lang="en-US" dirty="0"/>
           </a:p>
         </p:txBody>
       </p:sp>
@@ -10640,7 +10667,6 @@
               <a:rPr lang="en-US" dirty="0"/>
               <a:t>Execute the tests and verify the tests pass</a:t>
             </a:r>
-            <a:endParaRPr lang="en-US" dirty="0"/>
           </a:p>
         </p:txBody>
       </p:sp>
@@ -10941,10 +10967,16 @@
         </p:nvSpPr>
         <p:spPr/>
         <p:txBody>
-          <a:bodyPr/>
+          <a:bodyPr>
+            <a:normAutofit fontScale="90000"/>
+          </a:bodyPr>
           <a:lstStyle/>
           <a:p>
-            <a:endParaRPr lang="en-US"/>
+            <a:r>
+              <a:rPr lang="en-US" dirty="0" smtClean="0"/>
+              <a:t>Update the Context to be Platform Specific</a:t>
+            </a:r>
+            <a:endParaRPr lang="en-US" dirty="0"/>
           </a:p>
         </p:txBody>
       </p:sp>
@@ -11352,10 +11384,16 @@
         </p:nvSpPr>
         <p:spPr/>
         <p:txBody>
-          <a:bodyPr/>
+          <a:bodyPr>
+            <a:normAutofit fontScale="90000"/>
+          </a:bodyPr>
           <a:lstStyle/>
           <a:p>
-            <a:endParaRPr lang="en-US"/>
+            <a:r>
+              <a:rPr lang="en-US" dirty="0" smtClean="0"/>
+              <a:t>Add a Second Context for Another Platform</a:t>
+            </a:r>
+            <a:endParaRPr lang="en-US" dirty="0"/>
           </a:p>
         </p:txBody>
       </p:sp>
@@ -11866,7 +11904,11 @@
           <a:bodyPr/>
           <a:lstStyle/>
           <a:p>
-            <a:endParaRPr lang="en-US"/>
+            <a:r>
+              <a:rPr lang="en-US" dirty="0" smtClean="0"/>
+              <a:t>Execute the Tests to See it Fail</a:t>
+            </a:r>
+            <a:endParaRPr lang="en-US" dirty="0"/>
           </a:p>
         </p:txBody>
       </p:sp>
@@ -11918,7 +11960,11 @@
           <a:bodyPr/>
           <a:lstStyle/>
           <a:p>
-            <a:endParaRPr lang="en-US"/>
+            <a:r>
+              <a:rPr lang="en-US" dirty="0" smtClean="0"/>
+              <a:t>Update the Attribute to Support Platforms</a:t>
+            </a:r>
+            <a:endParaRPr lang="en-US" dirty="0"/>
           </a:p>
         </p:txBody>
       </p:sp>
@@ -12373,7 +12419,11 @@
           <a:bodyPr/>
           <a:lstStyle/>
           <a:p>
-            <a:endParaRPr lang="en-US"/>
+            <a:r>
+              <a:rPr lang="en-US" dirty="0" smtClean="0"/>
+              <a:t>Execute the Tests to See it Pass</a:t>
+            </a:r>
+            <a:endParaRPr lang="en-US" dirty="0"/>
           </a:p>
         </p:txBody>
       </p:sp>
@@ -12633,10 +12683,16 @@
         </p:nvSpPr>
         <p:spPr/>
         <p:txBody>
-          <a:bodyPr/>
+          <a:bodyPr>
+            <a:normAutofit/>
+          </a:bodyPr>
           <a:lstStyle/>
           <a:p>
-            <a:endParaRPr lang="en-US"/>
+            <a:r>
+              <a:rPr lang="en-US" sz="4800" dirty="0" smtClean="0"/>
+              <a:t>Add a New Platform to the Kitchen Configuration</a:t>
+            </a:r>
+            <a:endParaRPr lang="en-US" sz="4800" dirty="0"/>
           </a:p>
         </p:txBody>
       </p:sp>
@@ -13019,7 +13075,15 @@
           <a:bodyPr/>
           <a:lstStyle/>
           <a:p>
-            <a:endParaRPr lang="en-US"/>
+            <a:r>
+              <a:rPr lang="en-US" dirty="0" smtClean="0"/>
+              <a:t>Verify the New Instance </a:t>
+            </a:r>
+            <a:r>
+              <a:rPr lang="en-US" dirty="0" smtClean="0"/>
+              <a:t>is Present</a:t>
+            </a:r>
+            <a:endParaRPr lang="en-US" dirty="0"/>
           </a:p>
         </p:txBody>
       </p:sp>
@@ -13391,6 +13455,14 @@
           <a:bodyPr/>
           <a:lstStyle/>
           <a:p>
+            <a:r>
+              <a:rPr lang="en-US" dirty="0" smtClean="0"/>
+              <a:t>Execute the Tests for </a:t>
+            </a:r>
+            <a:r>
+              <a:rPr lang="en-US" smtClean="0"/>
+              <a:t>All Platforms</a:t>
+            </a:r>
             <a:endParaRPr lang="en-US"/>
           </a:p>
         </p:txBody>
@@ -13790,7 +13862,11 @@
           <a:bodyPr/>
           <a:lstStyle/>
           <a:p>
-            <a:endParaRPr lang="en-US"/>
+            <a:r>
+              <a:rPr lang="en-US" dirty="0" smtClean="0"/>
+              <a:t>Add a Break Point to the Default Recipe</a:t>
+            </a:r>
+            <a:endParaRPr lang="en-US" dirty="0"/>
           </a:p>
         </p:txBody>
       </p:sp>
@@ -14214,7 +14290,11 @@
           <a:bodyPr/>
           <a:lstStyle/>
           <a:p>
-            <a:endParaRPr lang="en-US"/>
+            <a:r>
+              <a:rPr lang="en-US" dirty="0" smtClean="0"/>
+              <a:t>Execute the Tests to Initiate Pry</a:t>
+            </a:r>
+            <a:endParaRPr lang="en-US" dirty="0"/>
           </a:p>
         </p:txBody>
       </p:sp>
@@ -14352,7 +14432,11 @@
           <a:bodyPr/>
           <a:lstStyle/>
           <a:p>
-            <a:endParaRPr lang="en-US"/>
+            <a:r>
+              <a:rPr lang="en-US" dirty="0" smtClean="0"/>
+              <a:t>Query the Node Object's Platform</a:t>
+            </a:r>
+            <a:endParaRPr lang="en-US" dirty="0"/>
           </a:p>
         </p:txBody>
       </p:sp>
@@ -14454,7 +14538,11 @@
           <a:bodyPr/>
           <a:lstStyle/>
           <a:p>
-            <a:endParaRPr lang="en-US"/>
+            <a:r>
+              <a:rPr lang="en-US" dirty="0" smtClean="0"/>
+              <a:t>Immediately Exit the Execution</a:t>
+            </a:r>
+            <a:endParaRPr lang="en-US" dirty="0"/>
           </a:p>
         </p:txBody>
       </p:sp>
@@ -14503,10 +14591,16 @@
         </p:nvSpPr>
         <p:spPr/>
         <p:txBody>
-          <a:bodyPr/>
+          <a:bodyPr>
+            <a:normAutofit/>
+          </a:bodyPr>
           <a:lstStyle/>
           <a:p>
-            <a:endParaRPr lang="en-US"/>
+            <a:r>
+              <a:rPr lang="en-US" dirty="0" smtClean="0"/>
+              <a:t>Remove the Break Point from the Recipe</a:t>
+            </a:r>
+            <a:endParaRPr lang="en-US" dirty="0"/>
           </a:p>
         </p:txBody>
       </p:sp>
@@ -15265,7 +15359,7 @@
   <a:extraClrSchemeLst/>
   <a:extLst>
     <a:ext uri="{05A4C25C-085E-4340-85A3-A5531E510DB2}">
-      <thm15:themeFamily xmlns:thm15="http://schemas.microsoft.com/office/thememl/2012/main" xmlns="" name="Chef-TemplateComps_v09-16x9-Light.potx" id="{078CEFDB-FA7A-4E36-9964-13EF367585CB}" vid="{8B87B0F3-7308-43D5-8388-E1B49EA02652}"/>
+      <thm15:themeFamily xmlns="" xmlns:thm15="http://schemas.microsoft.com/office/thememl/2012/main" name="Chef-TemplateComps_v09-16x9-Light.potx" id="{078CEFDB-FA7A-4E36-9964-13EF367585CB}" vid="{8B87B0F3-7308-43D5-8388-E1B49EA02652}"/>
     </a:ext>
   </a:extLst>
 </a:theme>
@@ -15647,7 +15741,7 @@
   <a:extraClrSchemeLst/>
   <a:extLst>
     <a:ext uri="{05A4C25C-085E-4340-85A3-A5531E510DB2}">
-      <thm15:themeFamily xmlns:thm15="http://schemas.microsoft.com/office/thememl/2012/main" xmlns="" name="Chef-TemplateComps_v09-16x9-Light.potx" id="{078CEFDB-FA7A-4E36-9964-13EF367585CB}" vid="{8B87B0F3-7308-43D5-8388-E1B49EA02652}"/>
+      <thm15:themeFamily xmlns="" xmlns:thm15="http://schemas.microsoft.com/office/thememl/2012/main" name="Chef-TemplateComps_v09-16x9-Light.potx" id="{078CEFDB-FA7A-4E36-9964-13EF367585CB}" vid="{8B87B0F3-7308-43D5-8388-E1B49EA02652}"/>
     </a:ext>
   </a:extLst>
 </a:theme>

--- a/06-testing_while_refactoring_for_multiple_platforms.pptx
+++ b/06-testing_while_refactoring_for_multiple_platforms.pptx
@@ -175,6 +175,25 @@
       </a:defRPr>
     </a:lvl9pPr>
   </p:defaultTextStyle>
+  <p:extLst>
+    <p:ext uri="{EFAFB233-063F-42B5-8137-9DF3F51BA10A}">
+      <p15:sldGuideLst xmlns:p15="http://schemas.microsoft.com/office/powerpoint/2012/main">
+        <p15:guide id="1" orient="horz" pos="894">
+          <p15:clr>
+            <a:srgbClr val="A4A3A4"/>
+          </p15:clr>
+        </p15:guide>
+        <p15:guide id="2" pos="9120">
+          <p15:clr>
+            <a:srgbClr val="A4A3A4"/>
+          </p15:clr>
+        </p15:guide>
+      </p15:sldGuideLst>
+    </p:ext>
+    <p:ext uri="{2D200454-40CA-4A62-9FC3-DE9A4176ACB9}">
+      <p15:notesGuideLst xmlns:p15="http://schemas.microsoft.com/office/powerpoint/2012/main"/>
+    </p:ext>
+  </p:extLst>
 </p:presentation>
 </file>
 
@@ -289,7 +308,7 @@
               <a:pPr>
                 <a:defRPr/>
               </a:pPr>
-              <a:t>10/26/15</a:t>
+              <a:t>2015-11-20</a:t>
             </a:fld>
             <a:endParaRPr lang="en-US" dirty="0"/>
           </a:p>
@@ -472,7 +491,7 @@
               <a:pPr>
                 <a:defRPr/>
               </a:pPr>
-              <a:t>10/26/15</a:t>
+              <a:t>2015-11-20</a:t>
             </a:fld>
             <a:endParaRPr lang="en-US" dirty="0"/>
           </a:p>
@@ -1010,7 +1029,7 @@
   <p:clrMapOvr>
     <a:masterClrMapping/>
   </p:clrMapOvr>
-  <p:transition xmlns:p14="http://schemas.microsoft.com/office/powerpoint/2010/main" spd="med">
+  <p:transition spd="med">
     <p:fade/>
   </p:transition>
 </p:sldLayout>
@@ -1305,7 +1324,7 @@
   <p:clrMapOvr>
     <a:overrideClrMapping bg1="lt1" tx1="dk1" bg2="lt2" tx2="dk2" accent1="accent1" accent2="accent2" accent3="accent3" accent4="accent4" accent5="accent5" accent6="accent6" hlink="hlink" folHlink="folHlink"/>
   </p:clrMapOvr>
-  <p:transition xmlns:p14="http://schemas.microsoft.com/office/powerpoint/2010/main" spd="med">
+  <p:transition spd="med">
     <p:fade/>
   </p:transition>
 </p:sldLayout>
@@ -1438,14 +1457,14 @@
           </a:ln>
           <a:extLst>
             <a:ext uri="{909E8E84-426E-40dd-AFC4-6F175D3DCCD1}">
-              <a14:hiddenFill xmlns:a14="http://schemas.microsoft.com/office/drawing/2010/main">
+              <a14:hiddenFill xmlns="" xmlns:a14="http://schemas.microsoft.com/office/drawing/2010/main">
                 <a:solidFill>
                   <a:srgbClr val="FFFFFF"/>
                 </a:solidFill>
               </a14:hiddenFill>
             </a:ext>
             <a:ext uri="{91240B29-F687-4f45-9708-019B960494DF}">
-              <a14:hiddenLine xmlns:a14="http://schemas.microsoft.com/office/drawing/2010/main" w="9525">
+              <a14:hiddenLine xmlns="" xmlns:a14="http://schemas.microsoft.com/office/drawing/2010/main" w="9525">
                 <a:solidFill>
                   <a:srgbClr val="000000"/>
                 </a:solidFill>
@@ -1593,14 +1612,14 @@
           </a:ln>
           <a:extLst>
             <a:ext uri="{909E8E84-426E-40dd-AFC4-6F175D3DCCD1}">
-              <a14:hiddenFill xmlns:a14="http://schemas.microsoft.com/office/drawing/2010/main">
+              <a14:hiddenFill xmlns="" xmlns:a14="http://schemas.microsoft.com/office/drawing/2010/main">
                 <a:solidFill>
                   <a:srgbClr val="FFFFFF"/>
                 </a:solidFill>
               </a14:hiddenFill>
             </a:ext>
             <a:ext uri="{91240B29-F687-4f45-9708-019B960494DF}">
-              <a14:hiddenLine xmlns:a14="http://schemas.microsoft.com/office/drawing/2010/main" w="9525">
+              <a14:hiddenLine xmlns="" xmlns:a14="http://schemas.microsoft.com/office/drawing/2010/main" w="9525">
                 <a:solidFill>
                   <a:srgbClr val="000000"/>
                 </a:solidFill>
@@ -1998,7 +2017,7 @@
   <p:clrMapOvr>
     <a:overrideClrMapping bg1="lt1" tx1="dk1" bg2="lt2" tx2="dk2" accent1="accent1" accent2="accent2" accent3="accent3" accent4="accent4" accent5="accent5" accent6="accent6" hlink="hlink" folHlink="folHlink"/>
   </p:clrMapOvr>
-  <p:transition xmlns:p14="http://schemas.microsoft.com/office/powerpoint/2010/main" spd="med">
+  <p:transition spd="med">
     <p:fade/>
   </p:transition>
 </p:sldLayout>
@@ -2091,14 +2110,14 @@
           </a:ln>
           <a:extLst>
             <a:ext uri="{909E8E84-426E-40dd-AFC4-6F175D3DCCD1}">
-              <a14:hiddenFill xmlns:a14="http://schemas.microsoft.com/office/drawing/2010/main">
+              <a14:hiddenFill xmlns="" xmlns:a14="http://schemas.microsoft.com/office/drawing/2010/main">
                 <a:solidFill>
                   <a:srgbClr val="FFFFFF"/>
                 </a:solidFill>
               </a14:hiddenFill>
             </a:ext>
             <a:ext uri="{91240B29-F687-4f45-9708-019B960494DF}">
-              <a14:hiddenLine xmlns:a14="http://schemas.microsoft.com/office/drawing/2010/main" w="9525">
+              <a14:hiddenLine xmlns="" xmlns:a14="http://schemas.microsoft.com/office/drawing/2010/main" w="9525">
                 <a:solidFill>
                   <a:srgbClr val="000000"/>
                 </a:solidFill>
@@ -2120,7 +2139,7 @@
   <p:clrMapOvr>
     <a:masterClrMapping/>
   </p:clrMapOvr>
-  <p:transition xmlns:p14="http://schemas.microsoft.com/office/powerpoint/2010/main" spd="med">
+  <p:transition spd="med">
     <p:fade/>
   </p:transition>
 </p:sldLayout>
@@ -2407,7 +2426,7 @@
   <p:clrMapOvr>
     <a:masterClrMapping/>
   </p:clrMapOvr>
-  <p:transition xmlns:p14="http://schemas.microsoft.com/office/powerpoint/2010/main" spd="med">
+  <p:transition spd="med">
     <p:fade/>
   </p:transition>
 </p:sldLayout>
@@ -2694,7 +2713,7 @@
   <p:clrMapOvr>
     <a:masterClrMapping/>
   </p:clrMapOvr>
-  <p:transition xmlns:p14="http://schemas.microsoft.com/office/powerpoint/2010/main" spd="med">
+  <p:transition spd="med">
     <p:fade/>
   </p:transition>
 </p:sldLayout>
@@ -3043,7 +3062,7 @@
   <p:clrMapOvr>
     <a:masterClrMapping/>
   </p:clrMapOvr>
-  <p:transition xmlns:p14="http://schemas.microsoft.com/office/powerpoint/2010/main" spd="med">
+  <p:transition spd="med">
     <p:fade/>
   </p:transition>
 </p:sldLayout>
@@ -3330,7 +3349,7 @@
   <p:clrMapOvr>
     <a:masterClrMapping/>
   </p:clrMapOvr>
-  <p:transition xmlns:p14="http://schemas.microsoft.com/office/powerpoint/2010/main" spd="med">
+  <p:transition spd="med">
     <p:fade/>
   </p:transition>
 </p:sldLayout>
@@ -3547,14 +3566,14 @@
           </a:ln>
           <a:extLst>
             <a:ext uri="{909E8E84-426E-40dd-AFC4-6F175D3DCCD1}">
-              <a14:hiddenFill xmlns:a14="http://schemas.microsoft.com/office/drawing/2010/main">
+              <a14:hiddenFill xmlns="" xmlns:a14="http://schemas.microsoft.com/office/drawing/2010/main">
                 <a:solidFill>
                   <a:srgbClr val="FFFFFF"/>
                 </a:solidFill>
               </a14:hiddenFill>
             </a:ext>
             <a:ext uri="{91240B29-F687-4f45-9708-019B960494DF}">
-              <a14:hiddenLine xmlns:a14="http://schemas.microsoft.com/office/drawing/2010/main" w="9525">
+              <a14:hiddenLine xmlns="" xmlns:a14="http://schemas.microsoft.com/office/drawing/2010/main" w="9525">
                 <a:solidFill>
                   <a:srgbClr val="000000"/>
                 </a:solidFill>
@@ -3751,7 +3770,7 @@
   <p:clrMapOvr>
     <a:masterClrMapping/>
   </p:clrMapOvr>
-  <p:transition xmlns:p14="http://schemas.microsoft.com/office/powerpoint/2010/main" spd="med">
+  <p:transition spd="med">
     <p:fade/>
   </p:transition>
 </p:sldLayout>
@@ -4039,7 +4058,7 @@
   <p:clrMapOvr>
     <a:masterClrMapping/>
   </p:clrMapOvr>
-  <p:transition xmlns:p14="http://schemas.microsoft.com/office/powerpoint/2010/main" spd="med">
+  <p:transition spd="med">
     <p:fade/>
   </p:transition>
 </p:sldLayout>
@@ -4351,7 +4370,7 @@
   <p:clrMapOvr>
     <a:masterClrMapping/>
   </p:clrMapOvr>
-  <p:transition xmlns:p14="http://schemas.microsoft.com/office/powerpoint/2010/main" spd="med">
+  <p:transition spd="med">
     <p:fade/>
   </p:transition>
 </p:sldLayout>
@@ -4528,7 +4547,7 @@
   <p:clrMapOvr>
     <a:masterClrMapping/>
   </p:clrMapOvr>
-  <p:transition xmlns:p14="http://schemas.microsoft.com/office/powerpoint/2010/main" spd="med">
+  <p:transition spd="med">
     <p:fade/>
   </p:transition>
 </p:sldLayout>
@@ -4832,7 +4851,7 @@
   <p:clrMapOvr>
     <a:masterClrMapping/>
   </p:clrMapOvr>
-  <p:transition xmlns:p14="http://schemas.microsoft.com/office/powerpoint/2010/main" spd="med">
+  <p:transition spd="med">
     <p:fade/>
   </p:transition>
 </p:sldLayout>
@@ -4908,14 +4927,14 @@
           </a:ln>
           <a:extLst>
             <a:ext uri="{909E8E84-426E-40dd-AFC4-6F175D3DCCD1}">
-              <a14:hiddenFill xmlns:a14="http://schemas.microsoft.com/office/drawing/2010/main">
+              <a14:hiddenFill xmlns="" xmlns:a14="http://schemas.microsoft.com/office/drawing/2010/main">
                 <a:solidFill>
                   <a:srgbClr val="FFFFFF"/>
                 </a:solidFill>
               </a14:hiddenFill>
             </a:ext>
             <a:ext uri="{91240B29-F687-4f45-9708-019B960494DF}">
-              <a14:hiddenLine xmlns:a14="http://schemas.microsoft.com/office/drawing/2010/main" w="9525">
+              <a14:hiddenLine xmlns="" xmlns:a14="http://schemas.microsoft.com/office/drawing/2010/main" w="9525">
                 <a:solidFill>
                   <a:srgbClr val="000000"/>
                 </a:solidFill>
@@ -5191,7 +5210,7 @@
   <p:clrMapOvr>
     <a:overrideClrMapping bg1="lt1" tx1="dk1" bg2="lt2" tx2="dk2" accent1="accent1" accent2="accent2" accent3="accent3" accent4="accent4" accent5="accent5" accent6="accent6" hlink="hlink" folHlink="folHlink"/>
   </p:clrMapOvr>
-  <p:transition xmlns:p14="http://schemas.microsoft.com/office/powerpoint/2010/main" spd="med">
+  <p:transition spd="med">
     <p:fade/>
   </p:transition>
 </p:sldLayout>
@@ -5397,7 +5416,7 @@
   <p:clrMapOvr>
     <a:overrideClrMapping bg1="lt1" tx1="dk1" bg2="lt2" tx2="dk2" accent1="accent1" accent2="accent2" accent3="accent3" accent4="accent4" accent5="accent5" accent6="accent6" hlink="hlink" folHlink="folHlink"/>
   </p:clrMapOvr>
-  <p:transition xmlns:p14="http://schemas.microsoft.com/office/powerpoint/2010/main" spd="med">
+  <p:transition spd="med">
     <p:fade/>
   </p:transition>
 </p:sldLayout>
@@ -5473,14 +5492,14 @@
           </a:ln>
           <a:extLst>
             <a:ext uri="{909E8E84-426E-40dd-AFC4-6F175D3DCCD1}">
-              <a14:hiddenFill xmlns:a14="http://schemas.microsoft.com/office/drawing/2010/main">
+              <a14:hiddenFill xmlns="" xmlns:a14="http://schemas.microsoft.com/office/drawing/2010/main">
                 <a:solidFill>
                   <a:srgbClr val="FFFFFF"/>
                 </a:solidFill>
               </a14:hiddenFill>
             </a:ext>
             <a:ext uri="{91240B29-F687-4f45-9708-019B960494DF}">
-              <a14:hiddenLine xmlns:a14="http://schemas.microsoft.com/office/drawing/2010/main" w="9525">
+              <a14:hiddenLine xmlns="" xmlns:a14="http://schemas.microsoft.com/office/drawing/2010/main" w="9525">
                 <a:solidFill>
                   <a:srgbClr val="000000"/>
                 </a:solidFill>
@@ -5763,7 +5782,7 @@
   <p:clrMapOvr>
     <a:overrideClrMapping bg1="lt1" tx1="dk1" bg2="lt2" tx2="dk2" accent1="accent1" accent2="accent2" accent3="accent3" accent4="accent4" accent5="accent5" accent6="accent6" hlink="hlink" folHlink="folHlink"/>
   </p:clrMapOvr>
-  <p:transition xmlns:p14="http://schemas.microsoft.com/office/powerpoint/2010/main" spd="med">
+  <p:transition spd="med">
     <p:fade/>
   </p:transition>
 </p:sldLayout>
@@ -5971,7 +5990,7 @@
   <p:clrMapOvr>
     <a:overrideClrMapping bg1="lt1" tx1="dk1" bg2="lt2" tx2="dk2" accent1="accent1" accent2="accent2" accent3="accent3" accent4="accent4" accent5="accent5" accent6="accent6" hlink="hlink" folHlink="folHlink"/>
   </p:clrMapOvr>
-  <p:transition xmlns:p14="http://schemas.microsoft.com/office/powerpoint/2010/main" spd="med">
+  <p:transition spd="med">
     <p:fade/>
   </p:transition>
 </p:sldLayout>
@@ -6047,14 +6066,14 @@
           </a:ln>
           <a:extLst>
             <a:ext uri="{909E8E84-426E-40dd-AFC4-6F175D3DCCD1}">
-              <a14:hiddenFill xmlns:a14="http://schemas.microsoft.com/office/drawing/2010/main">
+              <a14:hiddenFill xmlns="" xmlns:a14="http://schemas.microsoft.com/office/drawing/2010/main">
                 <a:solidFill>
                   <a:srgbClr val="FFFFFF"/>
                 </a:solidFill>
               </a14:hiddenFill>
             </a:ext>
             <a:ext uri="{91240B29-F687-4f45-9708-019B960494DF}">
-              <a14:hiddenLine xmlns:a14="http://schemas.microsoft.com/office/drawing/2010/main" w="9525">
+              <a14:hiddenLine xmlns="" xmlns:a14="http://schemas.microsoft.com/office/drawing/2010/main" w="9525">
                 <a:solidFill>
                   <a:srgbClr val="000000"/>
                 </a:solidFill>
@@ -6322,7 +6341,7 @@
   <p:clrMapOvr>
     <a:overrideClrMapping bg1="lt1" tx1="dk1" bg2="lt2" tx2="dk2" accent1="accent1" accent2="accent2" accent3="accent3" accent4="accent4" accent5="accent5" accent6="accent6" hlink="hlink" folHlink="folHlink"/>
   </p:clrMapOvr>
-  <p:transition xmlns:p14="http://schemas.microsoft.com/office/powerpoint/2010/main" spd="med">
+  <p:transition spd="med">
     <p:fade/>
   </p:transition>
 </p:sldLayout>
@@ -6550,7 +6569,7 @@
   <p:clrMapOvr>
     <a:overrideClrMapping bg1="lt1" tx1="dk1" bg2="lt2" tx2="dk2" accent1="accent1" accent2="accent2" accent3="accent3" accent4="accent4" accent5="accent5" accent6="accent6" hlink="hlink" folHlink="folHlink"/>
   </p:clrMapOvr>
-  <p:transition xmlns:p14="http://schemas.microsoft.com/office/powerpoint/2010/main" spd="med">
+  <p:transition spd="med">
     <p:fade/>
   </p:transition>
 </p:sldLayout>
@@ -6838,7 +6857,7 @@
   <p:clrMapOvr>
     <a:overrideClrMapping bg1="lt1" tx1="dk1" bg2="lt2" tx2="dk2" accent1="accent1" accent2="accent2" accent3="accent3" accent4="accent4" accent5="accent5" accent6="accent6" hlink="hlink" folHlink="folHlink"/>
   </p:clrMapOvr>
-  <p:transition xmlns:p14="http://schemas.microsoft.com/office/powerpoint/2010/main" spd="med">
+  <p:transition spd="med">
     <p:fade/>
   </p:transition>
 </p:sldLayout>
@@ -6994,14 +7013,14 @@
           </a:ln>
           <a:extLst>
             <a:ext uri="{909E8E84-426E-40dd-AFC4-6F175D3DCCD1}">
-              <a14:hiddenFill xmlns:a14="http://schemas.microsoft.com/office/drawing/2010/main">
+              <a14:hiddenFill xmlns="" xmlns:a14="http://schemas.microsoft.com/office/drawing/2010/main">
                 <a:solidFill>
                   <a:srgbClr val="FFFFFF"/>
                 </a:solidFill>
               </a14:hiddenFill>
             </a:ext>
             <a:ext uri="{91240B29-F687-4f45-9708-019B960494DF}">
-              <a14:hiddenLine xmlns:a14="http://schemas.microsoft.com/office/drawing/2010/main" w="9525">
+              <a14:hiddenLine xmlns="" xmlns:a14="http://schemas.microsoft.com/office/drawing/2010/main" w="9525">
                 <a:solidFill>
                   <a:srgbClr val="000000"/>
                 </a:solidFill>
@@ -7207,13 +7226,13 @@
     <p:sldLayoutId id="2147483841" r:id="rId11"/>
     <p:sldLayoutId id="2147483843" r:id="rId12"/>
   </p:sldLayoutIdLst>
-  <p:transition xmlns:p14="http://schemas.microsoft.com/office/powerpoint/2010/main" spd="med">
+  <p:transition spd="med">
     <p:fade/>
   </p:transition>
   <p:timing>
     <p:tnLst>
       <p:par>
-        <p:cTn xmlns:p14="http://schemas.microsoft.com/office/powerpoint/2010/main" id="1" dur="indefinite" restart="never" nodeType="tmRoot"/>
+        <p:cTn id="1" dur="indefinite" restart="never" nodeType="tmRoot"/>
       </p:par>
     </p:tnLst>
   </p:timing>
@@ -7741,14 +7760,14 @@
           </a:ln>
           <a:extLst>
             <a:ext uri="{909E8E84-426E-40dd-AFC4-6F175D3DCCD1}">
-              <a14:hiddenFill xmlns:a14="http://schemas.microsoft.com/office/drawing/2010/main">
+              <a14:hiddenFill xmlns="" xmlns:a14="http://schemas.microsoft.com/office/drawing/2010/main">
                 <a:solidFill>
                   <a:srgbClr val="FFFFFF"/>
                 </a:solidFill>
               </a14:hiddenFill>
             </a:ext>
             <a:ext uri="{91240B29-F687-4f45-9708-019B960494DF}">
-              <a14:hiddenLine xmlns:a14="http://schemas.microsoft.com/office/drawing/2010/main" w="9525">
+              <a14:hiddenLine xmlns="" xmlns:a14="http://schemas.microsoft.com/office/drawing/2010/main" w="9525">
                 <a:solidFill>
                   <a:srgbClr val="000000"/>
                 </a:solidFill>
@@ -8025,13 +8044,13 @@
     <p:sldLayoutId id="2147483856" r:id="rId7"/>
     <p:sldLayoutId id="2147483866" r:id="rId8"/>
   </p:sldLayoutIdLst>
-  <p:transition xmlns:p14="http://schemas.microsoft.com/office/powerpoint/2010/main" spd="med">
+  <p:transition spd="med">
     <p:fade/>
   </p:transition>
   <p:timing>
     <p:tnLst>
       <p:par>
-        <p:cTn xmlns:p14="http://schemas.microsoft.com/office/powerpoint/2010/main" id="1" dur="indefinite" restart="never" nodeType="tmRoot"/>
+        <p:cTn id="1" dur="indefinite" restart="never" nodeType="tmRoot"/>
       </p:par>
     </p:tnLst>
   </p:timing>
@@ -8525,9 +8544,16 @@
   <p:clrMapOvr>
     <a:masterClrMapping/>
   </p:clrMapOvr>
-  <p:transition xmlns:p14="http://schemas.microsoft.com/office/powerpoint/2010/main" spd="med">
+  <p:transition spd="med">
     <p:fade/>
   </p:transition>
+  <p:timing>
+    <p:tnLst>
+      <p:par>
+        <p:cTn id="1" dur="indefinite" restart="never" nodeType="tmRoot"/>
+      </p:par>
+    </p:tnLst>
+  </p:timing>
 </p:sld>
 </file>
 
@@ -8683,9 +8709,16 @@
   <p:clrMapOvr>
     <a:masterClrMapping/>
   </p:clrMapOvr>
-  <p:transition xmlns:p14="http://schemas.microsoft.com/office/powerpoint/2010/main" spd="med">
+  <p:transition spd="med">
     <p:fade/>
   </p:transition>
+  <p:timing>
+    <p:tnLst>
+      <p:par>
+        <p:cTn id="1" dur="indefinite" restart="never" nodeType="tmRoot"/>
+      </p:par>
+    </p:tnLst>
+  </p:timing>
 </p:sld>
 </file>
 
@@ -9083,9 +9116,16 @@
   <p:clrMapOvr>
     <a:masterClrMapping/>
   </p:clrMapOvr>
-  <p:transition xmlns:p14="http://schemas.microsoft.com/office/powerpoint/2010/main" spd="med">
+  <p:transition spd="med">
     <p:fade/>
   </p:transition>
+  <p:timing>
+    <p:tnLst>
+      <p:par>
+        <p:cTn id="1" dur="indefinite" restart="never" nodeType="tmRoot"/>
+      </p:par>
+    </p:tnLst>
+  </p:timing>
 </p:sld>
 </file>
 
@@ -9315,20 +9355,9 @@
             </a:r>
             <a:r>
               <a:rPr lang="en-US" dirty="0" smtClean="0"/>
-              <a:t>'</a:t>
-            </a:r>
-            <a:r>
-              <a:rPr lang="en-US" dirty="0" err="1" smtClean="0"/>
-              <a:t>apachee</a:t>
-            </a:r>
-            <a:r>
-              <a:rPr lang="en-US" dirty="0" smtClean="0"/>
-              <a:t>'</a:t>
-            </a:r>
-            <a:r>
-              <a:rPr lang="en-US" dirty="0"/>
-              <a:t>)</a:t>
-            </a:r>
+              <a:t>'apache2')</a:t>
+            </a:r>
+            <a:endParaRPr lang="en-US" dirty="0"/>
           </a:p>
           <a:p>
             <a:r>
@@ -9416,9 +9445,16 @@
   <p:clrMapOvr>
     <a:masterClrMapping/>
   </p:clrMapOvr>
-  <p:transition xmlns:p14="http://schemas.microsoft.com/office/powerpoint/2010/main" spd="med">
+  <p:transition spd="med">
     <p:fade/>
   </p:transition>
+  <p:timing>
+    <p:tnLst>
+      <p:par>
+        <p:cTn id="1" dur="indefinite" restart="never" nodeType="tmRoot"/>
+      </p:par>
+    </p:tnLst>
+  </p:timing>
 </p:sld>
 </file>
 
@@ -9572,9 +9608,16 @@
   <p:clrMapOvr>
     <a:masterClrMapping/>
   </p:clrMapOvr>
-  <p:transition xmlns:p14="http://schemas.microsoft.com/office/powerpoint/2010/main" spd="med">
+  <p:transition spd="med">
     <p:fade/>
   </p:transition>
+  <p:timing>
+    <p:tnLst>
+      <p:par>
+        <p:cTn id="1" dur="indefinite" restart="never" nodeType="tmRoot"/>
+      </p:par>
+    </p:tnLst>
+  </p:timing>
 </p:sld>
 </file>
 
@@ -9789,9 +9832,16 @@
   <p:clrMapOvr>
     <a:masterClrMapping/>
   </p:clrMapOvr>
-  <p:transition xmlns:p14="http://schemas.microsoft.com/office/powerpoint/2010/main" spd="med">
+  <p:transition spd="med">
     <p:fade/>
   </p:transition>
+  <p:timing>
+    <p:tnLst>
+      <p:par>
+        <p:cTn id="1" dur="indefinite" restart="never" nodeType="tmRoot"/>
+      </p:par>
+    </p:tnLst>
+  </p:timing>
 </p:sld>
 </file>
 
@@ -9945,9 +9995,16 @@
   <p:clrMapOvr>
     <a:masterClrMapping/>
   </p:clrMapOvr>
-  <p:transition xmlns:p14="http://schemas.microsoft.com/office/powerpoint/2010/main" spd="med">
+  <p:transition spd="med">
     <p:fade/>
   </p:transition>
+  <p:timing>
+    <p:tnLst>
+      <p:par>
+        <p:cTn id="1" dur="indefinite" restart="never" nodeType="tmRoot"/>
+      </p:par>
+    </p:tnLst>
+  </p:timing>
 </p:sld>
 </file>
 
@@ -9987,11 +10044,7 @@
           <a:p>
             <a:r>
               <a:rPr lang="en-US" dirty="0" smtClean="0"/>
-              <a:t>Updat</a:t>
-            </a:r>
-            <a:r>
-              <a:rPr lang="en-US" dirty="0" smtClean="0"/>
-              <a:t>e the Attributes to Support Platforms</a:t>
+              <a:t>Update the Attributes to Support Platforms</a:t>
             </a:r>
             <a:endParaRPr lang="en-US" dirty="0"/>
           </a:p>
@@ -10216,9 +10269,16 @@
   <p:clrMapOvr>
     <a:masterClrMapping/>
   </p:clrMapOvr>
-  <p:transition xmlns:p14="http://schemas.microsoft.com/office/powerpoint/2010/main" spd="med">
+  <p:transition spd="med">
     <p:fade/>
   </p:transition>
+  <p:timing>
+    <p:tnLst>
+      <p:par>
+        <p:cTn id="1" dur="indefinite" restart="never" nodeType="tmRoot"/>
+      </p:par>
+    </p:tnLst>
+  </p:timing>
 </p:sld>
 </file>
 
@@ -10372,9 +10432,16 @@
   <p:clrMapOvr>
     <a:masterClrMapping/>
   </p:clrMapOvr>
-  <p:transition xmlns:p14="http://schemas.microsoft.com/office/powerpoint/2010/main" spd="med">
+  <p:transition spd="med">
     <p:fade/>
   </p:transition>
+  <p:timing>
+    <p:tnLst>
+      <p:par>
+        <p:cTn id="1" dur="indefinite" restart="never" nodeType="tmRoot"/>
+      </p:par>
+    </p:tnLst>
+  </p:timing>
 </p:sld>
 </file>
 
@@ -10524,9 +10591,16 @@
   <p:clrMapOvr>
     <a:masterClrMapping/>
   </p:clrMapOvr>
-  <p:transition xmlns:p14="http://schemas.microsoft.com/office/powerpoint/2010/main" spd="med">
+  <p:transition spd="med">
     <p:fade/>
   </p:transition>
+  <p:timing>
+    <p:tnLst>
+      <p:par>
+        <p:cTn id="1" dur="indefinite" restart="never" nodeType="tmRoot"/>
+      </p:par>
+    </p:tnLst>
+  </p:timing>
 </p:sld>
 </file>
 
@@ -10680,9 +10754,16 @@
   <p:clrMapOvr>
     <a:masterClrMapping/>
   </p:clrMapOvr>
-  <p:transition xmlns:p14="http://schemas.microsoft.com/office/powerpoint/2010/main" spd="med">
+  <p:transition spd="med">
     <p:fade/>
   </p:transition>
+  <p:timing>
+    <p:tnLst>
+      <p:par>
+        <p:cTn id="1" dur="indefinite" restart="never" nodeType="tmRoot"/>
+      </p:par>
+    </p:tnLst>
+  </p:timing>
 </p:sld>
 </file>
 
@@ -10782,9 +10863,16 @@
   <p:clrMapOvr>
     <a:masterClrMapping/>
   </p:clrMapOvr>
-  <p:transition xmlns:p14="http://schemas.microsoft.com/office/powerpoint/2010/main" spd="med">
+  <p:transition spd="med">
     <p:fade/>
   </p:transition>
+  <p:timing>
+    <p:tnLst>
+      <p:par>
+        <p:cTn id="1" dur="indefinite" restart="never" nodeType="tmRoot"/>
+      </p:par>
+    </p:tnLst>
+  </p:timing>
 </p:sld>
 </file>
 
@@ -10858,7 +10946,7 @@
             </a:r>
             <a:r>
               <a:rPr lang="en-US" dirty="0" smtClean="0"/>
-              <a:t>Setup recipe chooses the service named '</a:t>
+              <a:t>Service recipe chooses the service named '</a:t>
             </a:r>
             <a:r>
               <a:rPr lang="en-US" dirty="0" err="1" smtClean="0"/>
@@ -10932,9 +11020,16 @@
   <p:clrMapOvr>
     <a:masterClrMapping/>
   </p:clrMapOvr>
-  <p:transition xmlns:p14="http://schemas.microsoft.com/office/powerpoint/2010/main" spd="med">
+  <p:transition spd="med">
     <p:fade/>
   </p:transition>
+  <p:timing>
+    <p:tnLst>
+      <p:par>
+        <p:cTn id="1" dur="indefinite" restart="never" nodeType="tmRoot"/>
+      </p:par>
+    </p:tnLst>
+  </p:timing>
 </p:sld>
 </file>
 
@@ -11349,9 +11444,16 @@
   <p:clrMapOvr>
     <a:masterClrMapping/>
   </p:clrMapOvr>
-  <p:transition xmlns:p14="http://schemas.microsoft.com/office/powerpoint/2010/main" spd="med">
+  <p:transition spd="med">
     <p:fade/>
   </p:transition>
+  <p:timing>
+    <p:tnLst>
+      <p:par>
+        <p:cTn id="1" dur="indefinite" restart="never" nodeType="tmRoot"/>
+      </p:par>
+    </p:tnLst>
+  </p:timing>
 </p:sld>
 </file>
 
@@ -11702,9 +11804,16 @@
   <p:clrMapOvr>
     <a:masterClrMapping/>
   </p:clrMapOvr>
-  <p:transition xmlns:p14="http://schemas.microsoft.com/office/powerpoint/2010/main" spd="med">
+  <p:transition spd="med">
     <p:fade/>
   </p:transition>
+  <p:timing>
+    <p:tnLst>
+      <p:par>
+        <p:cTn id="1" dur="indefinite" restart="never" nodeType="tmRoot"/>
+      </p:par>
+    </p:tnLst>
+  </p:timing>
 </p:sld>
 </file>
 
@@ -11922,9 +12031,16 @@
   <p:clrMapOvr>
     <a:masterClrMapping/>
   </p:clrMapOvr>
-  <p:transition xmlns:p14="http://schemas.microsoft.com/office/powerpoint/2010/main" spd="med">
+  <p:transition spd="med">
     <p:fade/>
   </p:transition>
+  <p:timing>
+    <p:tnLst>
+      <p:par>
+        <p:cTn id="1" dur="indefinite" restart="never" nodeType="tmRoot"/>
+      </p:par>
+    </p:tnLst>
+  </p:timing>
 </p:sld>
 </file>
 
@@ -12120,16 +12236,16 @@
               <a:t>httpd</a:t>
             </a:r>
             <a:r>
-              <a:rPr lang="en-US" dirty="0"/>
-              <a:t>']['</a:t>
-            </a:r>
-            <a:r>
-              <a:rPr lang="en-US" dirty="0" err="1"/>
-              <a:t>service_name</a:t>
-            </a:r>
-            <a:r>
-              <a:rPr lang="en-US" dirty="0"/>
-              <a:t>'] = '</a:t>
+              <a:rPr lang="en-US"/>
+              <a:t>'][</a:t>
+            </a:r>
+            <a:r>
+              <a:rPr lang="en-US" smtClean="0"/>
+              <a:t>'service_name'] </a:t>
+            </a:r>
+            <a:r>
+              <a:rPr lang="en-US" dirty="0"/>
+              <a:t>= '</a:t>
             </a:r>
             <a:r>
               <a:rPr lang="en-US" dirty="0" err="1"/>
@@ -12285,9 +12401,16 @@
   <p:clrMapOvr>
     <a:masterClrMapping/>
   </p:clrMapOvr>
-  <p:transition xmlns:p14="http://schemas.microsoft.com/office/powerpoint/2010/main" spd="med">
+  <p:transition spd="med">
     <p:fade/>
   </p:transition>
+  <p:timing>
+    <p:tnLst>
+      <p:par>
+        <p:cTn id="1" dur="indefinite" restart="never" nodeType="tmRoot"/>
+      </p:par>
+    </p:tnLst>
+  </p:timing>
 </p:sld>
 </file>
 
@@ -12437,9 +12560,16 @@
   <p:clrMapOvr>
     <a:masterClrMapping/>
   </p:clrMapOvr>
-  <p:transition xmlns:p14="http://schemas.microsoft.com/office/powerpoint/2010/main" spd="med">
+  <p:transition spd="med">
     <p:fade/>
   </p:transition>
+  <p:timing>
+    <p:tnLst>
+      <p:par>
+        <p:cTn id="1" dur="indefinite" restart="never" nodeType="tmRoot"/>
+      </p:par>
+    </p:tnLst>
+  </p:timing>
 </p:sld>
 </file>
 
@@ -12534,9 +12664,16 @@
   <p:clrMapOvr>
     <a:masterClrMapping/>
   </p:clrMapOvr>
-  <p:transition xmlns:p14="http://schemas.microsoft.com/office/powerpoint/2010/main" spd="med">
+  <p:transition spd="med">
     <p:fade/>
   </p:transition>
+  <p:timing>
+    <p:tnLst>
+      <p:par>
+        <p:cTn id="1" dur="indefinite" restart="never" nodeType="tmRoot"/>
+      </p:par>
+    </p:tnLst>
+  </p:timing>
 </p:sld>
 </file>
 
@@ -12648,9 +12785,16 @@
   <p:clrMapOvr>
     <a:masterClrMapping/>
   </p:clrMapOvr>
-  <p:transition xmlns:p14="http://schemas.microsoft.com/office/powerpoint/2010/main" spd="med">
+  <p:transition spd="med">
     <p:fade/>
   </p:transition>
+  <p:timing>
+    <p:tnLst>
+      <p:par>
+        <p:cTn id="1" dur="indefinite" restart="never" nodeType="tmRoot"/>
+      </p:par>
+    </p:tnLst>
+  </p:timing>
 </p:sld>
 </file>
 
@@ -12900,9 +13044,16 @@
   <p:clrMapOvr>
     <a:masterClrMapping/>
   </p:clrMapOvr>
-  <p:transition xmlns:p14="http://schemas.microsoft.com/office/powerpoint/2010/main" spd="med">
+  <p:transition spd="med">
     <p:fade/>
   </p:transition>
+  <p:timing>
+    <p:tnLst>
+      <p:par>
+        <p:cTn id="1" dur="indefinite" restart="never" nodeType="tmRoot"/>
+      </p:par>
+    </p:tnLst>
+  </p:timing>
 </p:sld>
 </file>
 
@@ -12977,12 +13128,12 @@
               <a:t>Ssh</a:t>
             </a:r>
             <a:r>
-              <a:rPr lang="en-US" sz="2400" dirty="0"/>
+              <a:rPr lang="en-US" sz="2400"/>
               <a:t>        </a:t>
             </a:r>
             <a:r>
-              <a:rPr lang="en-US" sz="2400" dirty="0" smtClean="0"/>
-              <a:t>&lt;Not Created&gt;</a:t>
+              <a:rPr lang="en-US" sz="2400" smtClean="0"/>
+              <a:t>Set Up</a:t>
             </a:r>
             <a:endParaRPr lang="en-US" sz="2400" dirty="0"/>
           </a:p>
@@ -13077,11 +13228,7 @@
           <a:p>
             <a:r>
               <a:rPr lang="en-US" dirty="0" smtClean="0"/>
-              <a:t>Verify the New Instance </a:t>
-            </a:r>
-            <a:r>
-              <a:rPr lang="en-US" dirty="0" smtClean="0"/>
-              <a:t>is Present</a:t>
+              <a:t>Verify the New Instance is Present</a:t>
             </a:r>
             <a:endParaRPr lang="en-US" dirty="0"/>
           </a:p>
@@ -13097,9 +13244,16 @@
   <p:clrMapOvr>
     <a:masterClrMapping/>
   </p:clrMapOvr>
-  <p:transition xmlns:p14="http://schemas.microsoft.com/office/powerpoint/2010/main" spd="med">
+  <p:transition spd="med">
     <p:fade/>
   </p:transition>
+  <p:timing>
+    <p:tnLst>
+      <p:par>
+        <p:cTn id="1" dur="indefinite" restart="never" nodeType="tmRoot"/>
+      </p:par>
+    </p:tnLst>
+  </p:timing>
 </p:sld>
 </file>
 
@@ -13199,9 +13353,16 @@
   <p:clrMapOvr>
     <a:masterClrMapping/>
   </p:clrMapOvr>
-  <p:transition xmlns:p14="http://schemas.microsoft.com/office/powerpoint/2010/main" spd="med">
+  <p:transition spd="med">
     <p:fade/>
   </p:transition>
+  <p:timing>
+    <p:tnLst>
+      <p:par>
+        <p:cTn id="1" dur="indefinite" restart="never" nodeType="tmRoot"/>
+      </p:par>
+    </p:tnLst>
+  </p:timing>
 </p:sld>
 </file>
 
@@ -13313,9 +13474,16 @@
   <p:clrMapOvr>
     <a:masterClrMapping/>
   </p:clrMapOvr>
-  <p:transition xmlns:p14="http://schemas.microsoft.com/office/powerpoint/2010/main" spd="med">
+  <p:transition spd="med">
     <p:fade/>
   </p:transition>
+  <p:timing>
+    <p:tnLst>
+      <p:par>
+        <p:cTn id="1" dur="indefinite" restart="never" nodeType="tmRoot"/>
+      </p:par>
+    </p:tnLst>
+  </p:timing>
 </p:sld>
 </file>
 
@@ -13477,9 +13645,16 @@
   <p:clrMapOvr>
     <a:masterClrMapping/>
   </p:clrMapOvr>
-  <p:transition xmlns:p14="http://schemas.microsoft.com/office/powerpoint/2010/main" spd="med">
+  <p:transition spd="med">
     <p:fade/>
   </p:transition>
+  <p:timing>
+    <p:tnLst>
+      <p:par>
+        <p:cTn id="1" dur="indefinite" restart="never" nodeType="tmRoot"/>
+      </p:par>
+    </p:tnLst>
+  </p:timing>
 </p:sld>
 </file>
 
@@ -13591,7 +13766,7 @@
   <p:clrMapOvr>
     <a:masterClrMapping/>
   </p:clrMapOvr>
-  <p:transition xmlns:p14="http://schemas.microsoft.com/office/powerpoint/2010/main" spd="med">
+  <p:transition spd="med">
     <p:fade/>
   </p:transition>
 </p:sld>
@@ -13710,7 +13885,7 @@
   <p:clrMapOvr>
     <a:masterClrMapping/>
   </p:clrMapOvr>
-  <p:transition xmlns:p14="http://schemas.microsoft.com/office/powerpoint/2010/main" spd="med">
+  <p:transition spd="med">
     <p:fade/>
   </p:transition>
 </p:sld>
@@ -13791,7 +13966,7 @@
   <p:clrMapOvr>
     <a:masterClrMapping/>
   </p:clrMapOvr>
-  <p:transition xmlns:p14="http://schemas.microsoft.com/office/powerpoint/2010/main" spd="med">
+  <p:transition spd="med">
     <p:fade/>
   </p:transition>
 </p:sld>
@@ -13824,7 +13999,7 @@
   <p:clrMapOvr>
     <a:masterClrMapping/>
   </p:clrMapOvr>
-  <p:transition xmlns:p14="http://schemas.microsoft.com/office/powerpoint/2010/main" spd="med">
+  <p:transition spd="med">
     <p:fade/>
   </p:transition>
 </p:sld>
@@ -14026,10 +14201,9 @@
           <a:lstStyle/>
           <a:p>
             <a:r>
-              <a:rPr lang="en-US" dirty="0" smtClean="0"/>
-              <a:t>`</a:t>
-            </a:r>
-            <a:endParaRPr lang="en-US" dirty="0"/>
+              <a:rPr lang="en-US" dirty="0"/>
+              <a:t>+</a:t>
+            </a:r>
           </a:p>
         </p:txBody>
       </p:sp>
@@ -14043,9 +14217,16 @@
   <p:clrMapOvr>
     <a:masterClrMapping/>
   </p:clrMapOvr>
-  <p:transition xmlns:p14="http://schemas.microsoft.com/office/powerpoint/2010/main" spd="med">
+  <p:transition spd="med">
     <p:fade/>
   </p:transition>
+  <p:timing>
+    <p:tnLst>
+      <p:par>
+        <p:cTn id="1" dur="indefinite" restart="never" nodeType="tmRoot"/>
+      </p:par>
+    </p:tnLst>
+  </p:timing>
 </p:sld>
 </file>
 
@@ -14308,9 +14489,16 @@
   <p:clrMapOvr>
     <a:masterClrMapping/>
   </p:clrMapOvr>
-  <p:transition xmlns:p14="http://schemas.microsoft.com/office/powerpoint/2010/main" spd="med">
+  <p:transition spd="med">
     <p:fade/>
   </p:transition>
+  <p:timing>
+    <p:tnLst>
+      <p:par>
+        <p:cTn id="1" dur="indefinite" restart="never" nodeType="tmRoot"/>
+      </p:par>
+    </p:tnLst>
+  </p:timing>
 </p:sld>
 </file>
 
@@ -14450,9 +14638,16 @@
   <p:clrMapOvr>
     <a:masterClrMapping/>
   </p:clrMapOvr>
-  <p:transition xmlns:p14="http://schemas.microsoft.com/office/powerpoint/2010/main" spd="med">
+  <p:transition spd="med">
     <p:fade/>
   </p:transition>
+  <p:timing>
+    <p:tnLst>
+      <p:par>
+        <p:cTn id="1" dur="indefinite" restart="never" nodeType="tmRoot"/>
+      </p:par>
+    </p:tnLst>
+  </p:timing>
 </p:sld>
 </file>
 
@@ -14556,9 +14751,16 @@
   <p:clrMapOvr>
     <a:masterClrMapping/>
   </p:clrMapOvr>
-  <p:transition xmlns:p14="http://schemas.microsoft.com/office/powerpoint/2010/main" spd="med">
+  <p:transition spd="med">
     <p:fade/>
   </p:transition>
+  <p:timing>
+    <p:tnLst>
+      <p:par>
+        <p:cTn id="1" dur="indefinite" restart="never" nodeType="tmRoot"/>
+      </p:par>
+    </p:tnLst>
+  </p:timing>
 </p:sld>
 </file>
 
@@ -14777,9 +14979,16 @@
   <p:clrMapOvr>
     <a:masterClrMapping/>
   </p:clrMapOvr>
-  <p:transition xmlns:p14="http://schemas.microsoft.com/office/powerpoint/2010/main" spd="med">
+  <p:transition spd="med">
     <p:fade/>
   </p:transition>
+  <p:timing>
+    <p:tnLst>
+      <p:par>
+        <p:cTn id="1" dur="indefinite" restart="never" nodeType="tmRoot"/>
+      </p:par>
+    </p:tnLst>
+  </p:timing>
 </p:sld>
 </file>
 
@@ -14977,9 +15186,16 @@
   <p:clrMapOvr>
     <a:masterClrMapping/>
   </p:clrMapOvr>
-  <p:transition xmlns:p14="http://schemas.microsoft.com/office/powerpoint/2010/main" spd="med">
+  <p:transition spd="med">
     <p:fade/>
   </p:transition>
+  <p:timing>
+    <p:tnLst>
+      <p:par>
+        <p:cTn id="1" dur="indefinite" restart="never" nodeType="tmRoot"/>
+      </p:par>
+    </p:tnLst>
+  </p:timing>
 </p:sld>
 </file>
 
@@ -15359,7 +15575,7 @@
   <a:extraClrSchemeLst/>
   <a:extLst>
     <a:ext uri="{05A4C25C-085E-4340-85A3-A5531E510DB2}">
-      <thm15:themeFamily xmlns="" xmlns:thm15="http://schemas.microsoft.com/office/thememl/2012/main" name="Chef-TemplateComps_v09-16x9-Light.potx" id="{078CEFDB-FA7A-4E36-9964-13EF367585CB}" vid="{8B87B0F3-7308-43D5-8388-E1B49EA02652}"/>
+      <thm15:themeFamily xmlns:thm15="http://schemas.microsoft.com/office/thememl/2012/main" name="Chef-TemplateComps_v09-16x9-Light.potx" id="{078CEFDB-FA7A-4E36-9964-13EF367585CB}" vid="{8B87B0F3-7308-43D5-8388-E1B49EA02652}"/>
     </a:ext>
   </a:extLst>
 </a:theme>
@@ -15741,7 +15957,7 @@
   <a:extraClrSchemeLst/>
   <a:extLst>
     <a:ext uri="{05A4C25C-085E-4340-85A3-A5531E510DB2}">
-      <thm15:themeFamily xmlns="" xmlns:thm15="http://schemas.microsoft.com/office/thememl/2012/main" name="Chef-TemplateComps_v09-16x9-Light.potx" id="{078CEFDB-FA7A-4E36-9964-13EF367585CB}" vid="{8B87B0F3-7308-43D5-8388-E1B49EA02652}"/>
+      <thm15:themeFamily xmlns:thm15="http://schemas.microsoft.com/office/thememl/2012/main" name="Chef-TemplateComps_v09-16x9-Light.potx" id="{078CEFDB-FA7A-4E36-9964-13EF367585CB}" vid="{8B87B0F3-7308-43D5-8388-E1B49EA02652}"/>
     </a:ext>
   </a:extLst>
 </a:theme>
